--- a/PIVOTING.pptx
+++ b/PIVOTING.pptx
@@ -6,9 +6,20 @@
   </p:sldMasterIdLst>
   <p:sldIdLst>
     <p:sldId id="298" r:id="rId5"/>
-    <p:sldId id="301" r:id="rId6"/>
-    <p:sldId id="302" r:id="rId7"/>
-    <p:sldId id="303" r:id="rId8"/>
+    <p:sldId id="304" r:id="rId6"/>
+    <p:sldId id="307" r:id="rId7"/>
+    <p:sldId id="301" r:id="rId8"/>
+    <p:sldId id="308" r:id="rId9"/>
+    <p:sldId id="309" r:id="rId10"/>
+    <p:sldId id="311" r:id="rId11"/>
+    <p:sldId id="310" r:id="rId12"/>
+    <p:sldId id="302" r:id="rId13"/>
+    <p:sldId id="303" r:id="rId14"/>
+    <p:sldId id="312" r:id="rId15"/>
+    <p:sldId id="313" r:id="rId16"/>
+    <p:sldId id="314" r:id="rId17"/>
+    <p:sldId id="306" r:id="rId18"/>
+    <p:sldId id="315" r:id="rId19"/>
   </p:sldIdLst>
   <p:sldSz cx="12192000" cy="6858000"/>
   <p:notesSz cx="6858000" cy="9144000"/>
@@ -359,7 +370,7 @@
           <a:p>
             <a:fld id="{9184DA70-C731-4C70-880D-CCD4705E623C}" type="datetime1">
               <a:rPr lang="en-US" smtClean="0"/>
-              <a:t>4/1/2024</a:t>
+              <a:t>4/8/2024</a:t>
             </a:fld>
             <a:endParaRPr lang="en-US" dirty="0"/>
           </a:p>
@@ -547,7 +558,7 @@
           <a:p>
             <a:fld id="{4BE1D723-8F53-4F53-90B0-1982A396982E}" type="datetime1">
               <a:rPr lang="en-US" smtClean="0"/>
-              <a:t>4/1/2024</a:t>
+              <a:t>4/8/2024</a:t>
             </a:fld>
             <a:endParaRPr lang="en-US" dirty="0"/>
           </a:p>
@@ -920,7 +931,7 @@
           <a:p>
             <a:fld id="{97669AF7-7BEB-44E4-9852-375E34362B5B}" type="datetime1">
               <a:rPr lang="en-US" smtClean="0"/>
-              <a:t>4/1/2024</a:t>
+              <a:t>4/8/2024</a:t>
             </a:fld>
             <a:endParaRPr lang="en-US" dirty="0"/>
           </a:p>
@@ -1175,7 +1186,7 @@
           <a:p>
             <a:fld id="{BAAAC38D-0552-4C82-B593-E6124DFADBE2}" type="datetime1">
               <a:rPr lang="en-US" smtClean="0"/>
-              <a:t>4/1/2024</a:t>
+              <a:t>4/8/2024</a:t>
             </a:fld>
             <a:endParaRPr lang="en-US" dirty="0"/>
           </a:p>
@@ -1572,7 +1583,7 @@
           <a:p>
             <a:fld id="{D9DF0F1C-5577-4ACB-BB62-DF8F3C494C7E}" type="datetime1">
               <a:rPr lang="en-US" smtClean="0"/>
-              <a:t>4/1/2024</a:t>
+              <a:t>4/8/2024</a:t>
             </a:fld>
             <a:endParaRPr lang="en-US" dirty="0"/>
           </a:p>
@@ -1708,7 +1719,7 @@
           <a:p>
             <a:fld id="{1775B394-D9F9-4F0C-B15D-605F45CB9E9F}" type="datetime1">
               <a:rPr lang="en-US" smtClean="0"/>
-              <a:t>4/1/2024</a:t>
+              <a:t>4/8/2024</a:t>
             </a:fld>
             <a:endParaRPr lang="en-US" dirty="0"/>
           </a:p>
@@ -1865,7 +1876,7 @@
           <a:p>
             <a:fld id="{39667345-2558-425A-8533-9BFDBCE15005}" type="datetime1">
               <a:rPr lang="en-US" smtClean="0"/>
-              <a:t>4/1/2024</a:t>
+              <a:t>4/8/2024</a:t>
             </a:fld>
             <a:endParaRPr lang="en-US" dirty="0"/>
           </a:p>
@@ -2194,7 +2205,7 @@
           <a:p>
             <a:fld id="{92BEA474-078D-4E9B-9B14-09A87B19DC46}" type="datetime1">
               <a:rPr lang="en-US" smtClean="0"/>
-              <a:t>4/1/2024</a:t>
+              <a:t>4/8/2024</a:t>
             </a:fld>
             <a:endParaRPr lang="en-US" dirty="0"/>
           </a:p>
@@ -2544,7 +2555,7 @@
           <a:p>
             <a:fld id="{4907D986-8816-4272-A432-0437A28A9828}" type="datetime1">
               <a:rPr lang="en-US" smtClean="0"/>
-              <a:t>4/1/2024</a:t>
+              <a:t>4/8/2024</a:t>
             </a:fld>
             <a:endParaRPr lang="en-US" dirty="0"/>
           </a:p>
@@ -2805,7 +2816,7 @@
           <a:p>
             <a:fld id="{62D6E202-B606-4609-B914-27C9371A1F6D}" type="datetime1">
               <a:rPr lang="en-US" smtClean="0"/>
-              <a:t>4/1/2024</a:t>
+              <a:t>4/8/2024</a:t>
             </a:fld>
             <a:endParaRPr lang="en-US" dirty="0"/>
           </a:p>
@@ -3453,7 +3464,7 @@
         </p:blipFill>
         <p:spPr>
           <a:xfrm>
-            <a:off x="20" y="975"/>
+            <a:off x="110606" y="-228600"/>
             <a:ext cx="12191980" cy="6858000"/>
           </a:xfrm>
           <a:prstGeom prst="rect">
@@ -3629,13 +3640,8 @@
             </a:pPr>
             <a:r>
               <a:rPr lang="en-US" sz="1600" dirty="0"/>
-              <a:t>Prabesh </a:t>
-            </a:r>
-            <a:r>
-              <a:rPr lang="en-US" sz="1600" dirty="0" err="1"/>
-              <a:t>adhikari</a:t>
-            </a:r>
-            <a:endParaRPr lang="en-US" sz="1600" dirty="0"/>
+              <a:t>Prabesh ADHIKARI</a:t>
+            </a:r>
           </a:p>
         </p:txBody>
       </p:sp>
@@ -3761,6 +3767,685 @@
 </p:sld>
 </file>
 
+<file path=ppt/slides/slide10.xml><?xml version="1.0" encoding="utf-8"?>
+<p:sld xmlns:a="http://schemas.openxmlformats.org/drawingml/2006/main" xmlns:r="http://schemas.openxmlformats.org/officeDocument/2006/relationships" xmlns:p="http://schemas.openxmlformats.org/presentationml/2006/main">
+  <p:cSld>
+    <p:spTree>
+      <p:nvGrpSpPr>
+        <p:cNvPr id="1" name=""/>
+        <p:cNvGrpSpPr/>
+        <p:nvPr/>
+      </p:nvGrpSpPr>
+      <p:grpSpPr>
+        <a:xfrm>
+          <a:off x="0" y="0"/>
+          <a:ext cx="0" cy="0"/>
+          <a:chOff x="0" y="0"/>
+          <a:chExt cx="0" cy="0"/>
+        </a:xfrm>
+      </p:grpSpPr>
+      <p:sp>
+        <p:nvSpPr>
+          <p:cNvPr id="2" name="Title 1">
+            <a:extLst>
+              <a:ext uri="{FF2B5EF4-FFF2-40B4-BE49-F238E27FC236}">
+                <a16:creationId xmlns:a16="http://schemas.microsoft.com/office/drawing/2014/main" id="{A625B669-F87E-3F00-A7FE-577DF70FB6C7}"/>
+              </a:ext>
+            </a:extLst>
+          </p:cNvPr>
+          <p:cNvSpPr>
+            <a:spLocks noGrp="1"/>
+          </p:cNvSpPr>
+          <p:nvPr>
+            <p:ph type="title"/>
+          </p:nvPr>
+        </p:nvSpPr>
+        <p:spPr/>
+        <p:txBody>
+          <a:bodyPr/>
+          <a:lstStyle/>
+          <a:p>
+            <a:r>
+              <a:rPr lang="en-US" dirty="0"/>
+              <a:t>Examples</a:t>
+            </a:r>
+          </a:p>
+        </p:txBody>
+      </p:sp>
+      <p:sp>
+        <p:nvSpPr>
+          <p:cNvPr id="3" name="Content Placeholder 2">
+            <a:extLst>
+              <a:ext uri="{FF2B5EF4-FFF2-40B4-BE49-F238E27FC236}">
+                <a16:creationId xmlns:a16="http://schemas.microsoft.com/office/drawing/2014/main" id="{7F6E1DB9-80E7-FE65-AABA-7D186C1455C1}"/>
+              </a:ext>
+            </a:extLst>
+          </p:cNvPr>
+          <p:cNvSpPr>
+            <a:spLocks noGrp="1"/>
+          </p:cNvSpPr>
+          <p:nvPr>
+            <p:ph idx="1"/>
+          </p:nvPr>
+        </p:nvSpPr>
+        <p:spPr/>
+        <p:txBody>
+          <a:bodyPr/>
+          <a:lstStyle/>
+          <a:p>
+            <a:pPr>
+              <a:buFont typeface="Wingdings" panose="05000000000000000000" pitchFamily="2" charset="2"/>
+              <a:buChar char="Ø"/>
+            </a:pPr>
+            <a:r>
+              <a:rPr lang="en-US" dirty="0"/>
+              <a:t> Sales Analysis</a:t>
+            </a:r>
+          </a:p>
+          <a:p>
+            <a:pPr>
+              <a:buFont typeface="Wingdings" panose="05000000000000000000" pitchFamily="2" charset="2"/>
+              <a:buChar char="Ø"/>
+            </a:pPr>
+            <a:r>
+              <a:rPr lang="en-US" dirty="0"/>
+              <a:t> Financial Reporting</a:t>
+            </a:r>
+          </a:p>
+          <a:p>
+            <a:pPr>
+              <a:buFont typeface="Wingdings" panose="05000000000000000000" pitchFamily="2" charset="2"/>
+              <a:buChar char="Ø"/>
+            </a:pPr>
+            <a:r>
+              <a:rPr lang="en-US" dirty="0"/>
+              <a:t> Inventory Management</a:t>
+            </a:r>
+          </a:p>
+          <a:p>
+            <a:pPr>
+              <a:buFont typeface="Wingdings" panose="05000000000000000000" pitchFamily="2" charset="2"/>
+              <a:buChar char="Ø"/>
+            </a:pPr>
+            <a:r>
+              <a:rPr lang="en-US" dirty="0"/>
+              <a:t> Social Media Analysis</a:t>
+            </a:r>
+          </a:p>
+          <a:p>
+            <a:pPr>
+              <a:buFont typeface="Wingdings" panose="05000000000000000000" pitchFamily="2" charset="2"/>
+              <a:buChar char="Ø"/>
+            </a:pPr>
+            <a:r>
+              <a:rPr lang="en-US" dirty="0"/>
+              <a:t> Market Analysis</a:t>
+            </a:r>
+          </a:p>
+          <a:p>
+            <a:pPr>
+              <a:buFont typeface="Wingdings" panose="05000000000000000000" pitchFamily="2" charset="2"/>
+              <a:buChar char="Ø"/>
+            </a:pPr>
+            <a:r>
+              <a:rPr lang="en-US" dirty="0"/>
+              <a:t> Employee Performance</a:t>
+            </a:r>
+          </a:p>
+          <a:p>
+            <a:pPr>
+              <a:buFont typeface="Wingdings" panose="05000000000000000000" pitchFamily="2" charset="2"/>
+              <a:buChar char="Ø"/>
+            </a:pPr>
+            <a:endParaRPr lang="en-US" dirty="0"/>
+          </a:p>
+          <a:p>
+            <a:pPr>
+              <a:buFont typeface="Wingdings" panose="05000000000000000000" pitchFamily="2" charset="2"/>
+              <a:buChar char="Ø"/>
+            </a:pPr>
+            <a:endParaRPr lang="en-US" dirty="0"/>
+          </a:p>
+          <a:p>
+            <a:pPr>
+              <a:buFont typeface="Wingdings" panose="05000000000000000000" pitchFamily="2" charset="2"/>
+              <a:buChar char="Ø"/>
+            </a:pPr>
+            <a:endParaRPr lang="en-US" dirty="0"/>
+          </a:p>
+        </p:txBody>
+      </p:sp>
+    </p:spTree>
+    <p:extLst>
+      <p:ext uri="{BB962C8B-B14F-4D97-AF65-F5344CB8AC3E}">
+        <p14:creationId xmlns:p14="http://schemas.microsoft.com/office/powerpoint/2010/main" val="4057424904"/>
+      </p:ext>
+    </p:extLst>
+  </p:cSld>
+  <p:clrMapOvr>
+    <a:masterClrMapping/>
+  </p:clrMapOvr>
+</p:sld>
+</file>
+
+<file path=ppt/slides/slide11.xml><?xml version="1.0" encoding="utf-8"?>
+<p:sld xmlns:a="http://schemas.openxmlformats.org/drawingml/2006/main" xmlns:r="http://schemas.openxmlformats.org/officeDocument/2006/relationships" xmlns:p="http://schemas.openxmlformats.org/presentationml/2006/main">
+  <p:cSld>
+    <p:spTree>
+      <p:nvGrpSpPr>
+        <p:cNvPr id="1" name=""/>
+        <p:cNvGrpSpPr/>
+        <p:nvPr/>
+      </p:nvGrpSpPr>
+      <p:grpSpPr>
+        <a:xfrm>
+          <a:off x="0" y="0"/>
+          <a:ext cx="0" cy="0"/>
+          <a:chOff x="0" y="0"/>
+          <a:chExt cx="0" cy="0"/>
+        </a:xfrm>
+      </p:grpSpPr>
+      <p:sp>
+        <p:nvSpPr>
+          <p:cNvPr id="2" name="Title 1">
+            <a:extLst>
+              <a:ext uri="{FF2B5EF4-FFF2-40B4-BE49-F238E27FC236}">
+                <a16:creationId xmlns:a16="http://schemas.microsoft.com/office/drawing/2014/main" id="{A625B669-F87E-3F00-A7FE-577DF70FB6C7}"/>
+              </a:ext>
+            </a:extLst>
+          </p:cNvPr>
+          <p:cNvSpPr>
+            <a:spLocks noGrp="1"/>
+          </p:cNvSpPr>
+          <p:nvPr>
+            <p:ph type="title"/>
+          </p:nvPr>
+        </p:nvSpPr>
+        <p:spPr/>
+        <p:txBody>
+          <a:bodyPr/>
+          <a:lstStyle/>
+          <a:p>
+            <a:r>
+              <a:rPr lang="en-US" dirty="0"/>
+              <a:t>Quick note</a:t>
+            </a:r>
+          </a:p>
+        </p:txBody>
+      </p:sp>
+      <p:sp>
+        <p:nvSpPr>
+          <p:cNvPr id="3" name="Content Placeholder 2">
+            <a:extLst>
+              <a:ext uri="{FF2B5EF4-FFF2-40B4-BE49-F238E27FC236}">
+                <a16:creationId xmlns:a16="http://schemas.microsoft.com/office/drawing/2014/main" id="{7F6E1DB9-80E7-FE65-AABA-7D186C1455C1}"/>
+              </a:ext>
+            </a:extLst>
+          </p:cNvPr>
+          <p:cNvSpPr>
+            <a:spLocks noGrp="1"/>
+          </p:cNvSpPr>
+          <p:nvPr>
+            <p:ph idx="1"/>
+          </p:nvPr>
+        </p:nvSpPr>
+        <p:spPr/>
+        <p:txBody>
+          <a:bodyPr/>
+          <a:lstStyle/>
+          <a:p>
+            <a:pPr>
+              <a:buFont typeface="Wingdings" panose="05000000000000000000" pitchFamily="2" charset="2"/>
+              <a:buChar char="Ø"/>
+            </a:pPr>
+            <a:r>
+              <a:rPr lang="en-US" dirty="0"/>
+              <a:t> Entrepreneurship is hard </a:t>
+            </a:r>
+          </a:p>
+          <a:p>
+            <a:pPr>
+              <a:buFont typeface="Wingdings" panose="05000000000000000000" pitchFamily="2" charset="2"/>
+              <a:buChar char="Ø"/>
+            </a:pPr>
+            <a:r>
+              <a:rPr lang="en-US" dirty="0"/>
+              <a:t> Startup is high uncertain</a:t>
+            </a:r>
+          </a:p>
+          <a:p>
+            <a:pPr>
+              <a:buFont typeface="Wingdings" panose="05000000000000000000" pitchFamily="2" charset="2"/>
+              <a:buChar char="Ø"/>
+            </a:pPr>
+            <a:r>
+              <a:rPr lang="en-US" dirty="0"/>
+              <a:t> Difficult to clearly identify a universal moment</a:t>
+            </a:r>
+          </a:p>
+          <a:p>
+            <a:pPr>
+              <a:buFont typeface="Wingdings" panose="05000000000000000000" pitchFamily="2" charset="2"/>
+              <a:buChar char="Ø"/>
+            </a:pPr>
+            <a:r>
+              <a:rPr lang="en-US" dirty="0"/>
+              <a:t> Changing of strategy at right moment pays you</a:t>
+            </a:r>
+          </a:p>
+          <a:p>
+            <a:pPr>
+              <a:buFont typeface="Wingdings" panose="05000000000000000000" pitchFamily="2" charset="2"/>
+              <a:buChar char="Ø"/>
+            </a:pPr>
+            <a:r>
+              <a:rPr lang="en-US" dirty="0"/>
+              <a:t> First aspect must be to look overall customer satisfaction</a:t>
+            </a:r>
+          </a:p>
+          <a:p>
+            <a:pPr>
+              <a:buFont typeface="Wingdings" panose="05000000000000000000" pitchFamily="2" charset="2"/>
+              <a:buChar char="Ø"/>
+            </a:pPr>
+            <a:endParaRPr lang="en-US" dirty="0"/>
+          </a:p>
+        </p:txBody>
+      </p:sp>
+    </p:spTree>
+    <p:extLst>
+      <p:ext uri="{BB962C8B-B14F-4D97-AF65-F5344CB8AC3E}">
+        <p14:creationId xmlns:p14="http://schemas.microsoft.com/office/powerpoint/2010/main" val="549029339"/>
+      </p:ext>
+    </p:extLst>
+  </p:cSld>
+  <p:clrMapOvr>
+    <a:masterClrMapping/>
+  </p:clrMapOvr>
+</p:sld>
+</file>
+
+<file path=ppt/slides/slide12.xml><?xml version="1.0" encoding="utf-8"?>
+<p:sld xmlns:a="http://schemas.openxmlformats.org/drawingml/2006/main" xmlns:r="http://schemas.openxmlformats.org/officeDocument/2006/relationships" xmlns:p="http://schemas.openxmlformats.org/presentationml/2006/main">
+  <p:cSld>
+    <p:spTree>
+      <p:nvGrpSpPr>
+        <p:cNvPr id="1" name=""/>
+        <p:cNvGrpSpPr/>
+        <p:nvPr/>
+      </p:nvGrpSpPr>
+      <p:grpSpPr>
+        <a:xfrm>
+          <a:off x="0" y="0"/>
+          <a:ext cx="0" cy="0"/>
+          <a:chOff x="0" y="0"/>
+          <a:chExt cx="0" cy="0"/>
+        </a:xfrm>
+      </p:grpSpPr>
+      <p:sp>
+        <p:nvSpPr>
+          <p:cNvPr id="2" name="Title 1">
+            <a:extLst>
+              <a:ext uri="{FF2B5EF4-FFF2-40B4-BE49-F238E27FC236}">
+                <a16:creationId xmlns:a16="http://schemas.microsoft.com/office/drawing/2014/main" id="{A625B669-F87E-3F00-A7FE-577DF70FB6C7}"/>
+              </a:ext>
+            </a:extLst>
+          </p:cNvPr>
+          <p:cNvSpPr>
+            <a:spLocks noGrp="1"/>
+          </p:cNvSpPr>
+          <p:nvPr>
+            <p:ph type="title"/>
+          </p:nvPr>
+        </p:nvSpPr>
+        <p:spPr/>
+        <p:txBody>
+          <a:bodyPr/>
+          <a:lstStyle/>
+          <a:p>
+            <a:r>
+              <a:rPr lang="en-US" dirty="0"/>
+              <a:t>Demo</a:t>
+            </a:r>
+          </a:p>
+        </p:txBody>
+      </p:sp>
+      <p:pic>
+        <p:nvPicPr>
+          <p:cNvPr id="7" name="Picture 6">
+            <a:extLst>
+              <a:ext uri="{FF2B5EF4-FFF2-40B4-BE49-F238E27FC236}">
+                <a16:creationId xmlns:a16="http://schemas.microsoft.com/office/drawing/2014/main" id="{CFB019C3-3750-7D2A-2CEE-BFC7E34AF903}"/>
+              </a:ext>
+            </a:extLst>
+          </p:cNvPr>
+          <p:cNvPicPr>
+            <a:picLocks noChangeAspect="1"/>
+          </p:cNvPicPr>
+          <p:nvPr/>
+        </p:nvPicPr>
+        <p:blipFill>
+          <a:blip r:embed="rId2"/>
+          <a:stretch>
+            <a:fillRect/>
+          </a:stretch>
+        </p:blipFill>
+        <p:spPr>
+          <a:xfrm>
+            <a:off x="1551941" y="2290344"/>
+            <a:ext cx="9088118" cy="3210373"/>
+          </a:xfrm>
+          <a:prstGeom prst="rect">
+            <a:avLst/>
+          </a:prstGeom>
+        </p:spPr>
+      </p:pic>
+    </p:spTree>
+    <p:extLst>
+      <p:ext uri="{BB962C8B-B14F-4D97-AF65-F5344CB8AC3E}">
+        <p14:creationId xmlns:p14="http://schemas.microsoft.com/office/powerpoint/2010/main" val="2553329500"/>
+      </p:ext>
+    </p:extLst>
+  </p:cSld>
+  <p:clrMapOvr>
+    <a:masterClrMapping/>
+  </p:clrMapOvr>
+</p:sld>
+</file>
+
+<file path=ppt/slides/slide13.xml><?xml version="1.0" encoding="utf-8"?>
+<p:sld xmlns:a="http://schemas.openxmlformats.org/drawingml/2006/main" xmlns:r="http://schemas.openxmlformats.org/officeDocument/2006/relationships" xmlns:p="http://schemas.openxmlformats.org/presentationml/2006/main">
+  <p:cSld>
+    <p:spTree>
+      <p:nvGrpSpPr>
+        <p:cNvPr id="1" name=""/>
+        <p:cNvGrpSpPr/>
+        <p:nvPr/>
+      </p:nvGrpSpPr>
+      <p:grpSpPr>
+        <a:xfrm>
+          <a:off x="0" y="0"/>
+          <a:ext cx="0" cy="0"/>
+          <a:chOff x="0" y="0"/>
+          <a:chExt cx="0" cy="0"/>
+        </a:xfrm>
+      </p:grpSpPr>
+      <p:sp>
+        <p:nvSpPr>
+          <p:cNvPr id="2" name="Title 1">
+            <a:extLst>
+              <a:ext uri="{FF2B5EF4-FFF2-40B4-BE49-F238E27FC236}">
+                <a16:creationId xmlns:a16="http://schemas.microsoft.com/office/drawing/2014/main" id="{A625B669-F87E-3F00-A7FE-577DF70FB6C7}"/>
+              </a:ext>
+            </a:extLst>
+          </p:cNvPr>
+          <p:cNvSpPr>
+            <a:spLocks noGrp="1"/>
+          </p:cNvSpPr>
+          <p:nvPr>
+            <p:ph type="title"/>
+          </p:nvPr>
+        </p:nvSpPr>
+        <p:spPr/>
+        <p:txBody>
+          <a:bodyPr/>
+          <a:lstStyle/>
+          <a:p>
+            <a:endParaRPr lang="en-US" dirty="0"/>
+          </a:p>
+        </p:txBody>
+      </p:sp>
+      <p:pic>
+        <p:nvPicPr>
+          <p:cNvPr id="4" name="Picture 3">
+            <a:extLst>
+              <a:ext uri="{FF2B5EF4-FFF2-40B4-BE49-F238E27FC236}">
+                <a16:creationId xmlns:a16="http://schemas.microsoft.com/office/drawing/2014/main" id="{2B30330A-9B5F-6F6C-4839-C5535A75D1B1}"/>
+              </a:ext>
+            </a:extLst>
+          </p:cNvPr>
+          <p:cNvPicPr>
+            <a:picLocks noChangeAspect="1"/>
+          </p:cNvPicPr>
+          <p:nvPr/>
+        </p:nvPicPr>
+        <p:blipFill>
+          <a:blip r:embed="rId2"/>
+          <a:stretch>
+            <a:fillRect/>
+          </a:stretch>
+        </p:blipFill>
+        <p:spPr>
+          <a:xfrm>
+            <a:off x="24260" y="0"/>
+            <a:ext cx="11841227" cy="6763694"/>
+          </a:xfrm>
+          <a:prstGeom prst="rect">
+            <a:avLst/>
+          </a:prstGeom>
+        </p:spPr>
+      </p:pic>
+    </p:spTree>
+    <p:extLst>
+      <p:ext uri="{BB962C8B-B14F-4D97-AF65-F5344CB8AC3E}">
+        <p14:creationId xmlns:p14="http://schemas.microsoft.com/office/powerpoint/2010/main" val="1566632370"/>
+      </p:ext>
+    </p:extLst>
+  </p:cSld>
+  <p:clrMapOvr>
+    <a:masterClrMapping/>
+  </p:clrMapOvr>
+</p:sld>
+</file>
+
+<file path=ppt/slides/slide14.xml><?xml version="1.0" encoding="utf-8"?>
+<p:sld xmlns:a="http://schemas.openxmlformats.org/drawingml/2006/main" xmlns:r="http://schemas.openxmlformats.org/officeDocument/2006/relationships" xmlns:p="http://schemas.openxmlformats.org/presentationml/2006/main">
+  <p:cSld>
+    <p:spTree>
+      <p:nvGrpSpPr>
+        <p:cNvPr id="1" name=""/>
+        <p:cNvGrpSpPr/>
+        <p:nvPr/>
+      </p:nvGrpSpPr>
+      <p:grpSpPr>
+        <a:xfrm>
+          <a:off x="0" y="0"/>
+          <a:ext cx="0" cy="0"/>
+          <a:chOff x="0" y="0"/>
+          <a:chExt cx="0" cy="0"/>
+        </a:xfrm>
+      </p:grpSpPr>
+      <p:sp>
+        <p:nvSpPr>
+          <p:cNvPr id="2" name="Title 1">
+            <a:extLst>
+              <a:ext uri="{FF2B5EF4-FFF2-40B4-BE49-F238E27FC236}">
+                <a16:creationId xmlns:a16="http://schemas.microsoft.com/office/drawing/2014/main" id="{EAF6AEBA-215F-10C5-E4DF-ADC7587C259E}"/>
+              </a:ext>
+            </a:extLst>
+          </p:cNvPr>
+          <p:cNvSpPr>
+            <a:spLocks noGrp="1"/>
+          </p:cNvSpPr>
+          <p:nvPr>
+            <p:ph type="title"/>
+          </p:nvPr>
+        </p:nvSpPr>
+        <p:spPr/>
+        <p:txBody>
+          <a:bodyPr/>
+          <a:lstStyle/>
+          <a:p>
+            <a:endParaRPr lang="en-US"/>
+          </a:p>
+        </p:txBody>
+      </p:sp>
+      <p:pic>
+        <p:nvPicPr>
+          <p:cNvPr id="5" name="Content Placeholder 4">
+            <a:extLst>
+              <a:ext uri="{FF2B5EF4-FFF2-40B4-BE49-F238E27FC236}">
+                <a16:creationId xmlns:a16="http://schemas.microsoft.com/office/drawing/2014/main" id="{37B30282-CE14-B02A-F95F-6D5DE7D98EB6}"/>
+              </a:ext>
+            </a:extLst>
+          </p:cNvPr>
+          <p:cNvPicPr>
+            <a:picLocks noGrp="1" noChangeAspect="1"/>
+          </p:cNvPicPr>
+          <p:nvPr>
+            <p:ph idx="1"/>
+          </p:nvPr>
+        </p:nvPicPr>
+        <p:blipFill>
+          <a:blip r:embed="rId2"/>
+          <a:stretch>
+            <a:fillRect/>
+          </a:stretch>
+        </p:blipFill>
+        <p:spPr>
+          <a:xfrm>
+            <a:off x="3470989" y="2109089"/>
+            <a:ext cx="3926762" cy="2779618"/>
+          </a:xfrm>
+        </p:spPr>
+      </p:pic>
+    </p:spTree>
+    <p:extLst>
+      <p:ext uri="{BB962C8B-B14F-4D97-AF65-F5344CB8AC3E}">
+        <p14:creationId xmlns:p14="http://schemas.microsoft.com/office/powerpoint/2010/main" val="2560488197"/>
+      </p:ext>
+    </p:extLst>
+  </p:cSld>
+  <p:clrMapOvr>
+    <a:masterClrMapping/>
+  </p:clrMapOvr>
+</p:sld>
+</file>
+
+<file path=ppt/slides/slide15.xml><?xml version="1.0" encoding="utf-8"?>
+<p:sld xmlns:a="http://schemas.openxmlformats.org/drawingml/2006/main" xmlns:r="http://schemas.openxmlformats.org/officeDocument/2006/relationships" xmlns:p="http://schemas.openxmlformats.org/presentationml/2006/main">
+  <p:cSld>
+    <p:spTree>
+      <p:nvGrpSpPr>
+        <p:cNvPr id="1" name=""/>
+        <p:cNvGrpSpPr/>
+        <p:nvPr/>
+      </p:nvGrpSpPr>
+      <p:grpSpPr>
+        <a:xfrm>
+          <a:off x="0" y="0"/>
+          <a:ext cx="0" cy="0"/>
+          <a:chOff x="0" y="0"/>
+          <a:chExt cx="0" cy="0"/>
+        </a:xfrm>
+      </p:grpSpPr>
+      <p:sp>
+        <p:nvSpPr>
+          <p:cNvPr id="2" name="Title 1">
+            <a:extLst>
+              <a:ext uri="{FF2B5EF4-FFF2-40B4-BE49-F238E27FC236}">
+                <a16:creationId xmlns:a16="http://schemas.microsoft.com/office/drawing/2014/main" id="{EAF6AEBA-215F-10C5-E4DF-ADC7587C259E}"/>
+              </a:ext>
+            </a:extLst>
+          </p:cNvPr>
+          <p:cNvSpPr>
+            <a:spLocks noGrp="1"/>
+          </p:cNvSpPr>
+          <p:nvPr>
+            <p:ph type="title"/>
+          </p:nvPr>
+        </p:nvSpPr>
+        <p:spPr/>
+        <p:txBody>
+          <a:bodyPr/>
+          <a:lstStyle/>
+          <a:p>
+            <a:r>
+              <a:rPr lang="en-US" dirty="0"/>
+              <a:t>Reference</a:t>
+            </a:r>
+          </a:p>
+        </p:txBody>
+      </p:sp>
+      <p:sp>
+        <p:nvSpPr>
+          <p:cNvPr id="4" name="Content Placeholder 3">
+            <a:extLst>
+              <a:ext uri="{FF2B5EF4-FFF2-40B4-BE49-F238E27FC236}">
+                <a16:creationId xmlns:a16="http://schemas.microsoft.com/office/drawing/2014/main" id="{73275DA6-8FC8-B136-8086-DFCF10102BD5}"/>
+              </a:ext>
+            </a:extLst>
+          </p:cNvPr>
+          <p:cNvSpPr>
+            <a:spLocks noGrp="1"/>
+          </p:cNvSpPr>
+          <p:nvPr>
+            <p:ph idx="1"/>
+          </p:nvPr>
+        </p:nvSpPr>
+        <p:spPr/>
+        <p:txBody>
+          <a:bodyPr/>
+          <a:lstStyle/>
+          <a:p>
+            <a:pPr algn="just">
+              <a:buFont typeface="Wingdings" panose="05000000000000000000" pitchFamily="2" charset="2"/>
+              <a:buChar char="Ø"/>
+            </a:pPr>
+            <a:r>
+              <a:rPr lang="en-US" dirty="0"/>
+              <a:t> </a:t>
+            </a:r>
+            <a:r>
+              <a:rPr lang="en-US" dirty="0">
+                <a:hlinkClick r:id="rId2"/>
+              </a:rPr>
+              <a:t>https://www.rst.software/blog/effective-business-pivoting-101-when-why-and-how#:~:text=The%20idea%20of%20pivoting%20is,building%20on%20their%20existing%20strengths</a:t>
+            </a:r>
+            <a:endParaRPr lang="en-US" dirty="0"/>
+          </a:p>
+          <a:p>
+            <a:pPr algn="just">
+              <a:buFont typeface="Wingdings" panose="05000000000000000000" pitchFamily="2" charset="2"/>
+              <a:buChar char="Ø"/>
+            </a:pPr>
+            <a:r>
+              <a:rPr lang="en-US" dirty="0"/>
+              <a:t> </a:t>
+            </a:r>
+            <a:r>
+              <a:rPr lang="en-US" dirty="0">
+                <a:hlinkClick r:id="rId3"/>
+              </a:rPr>
+              <a:t>https://fi.co/insight/what-pivoting-is-when-to-pivot-and-how-to-pivot-effectively#:~:text=In%20business%2C%20pivoting%20is%20a,%2C%20product%2C%20or%20target%20market</a:t>
+            </a:r>
+            <a:endParaRPr lang="en-US" dirty="0"/>
+          </a:p>
+          <a:p>
+            <a:pPr algn="just">
+              <a:buFont typeface="Wingdings" panose="05000000000000000000" pitchFamily="2" charset="2"/>
+              <a:buChar char="Ø"/>
+            </a:pPr>
+            <a:r>
+              <a:rPr lang="en-US"/>
+              <a:t> https://www.merriam-webster.com/dictionary/pivot#</a:t>
+            </a:r>
+          </a:p>
+        </p:txBody>
+      </p:sp>
+    </p:spTree>
+    <p:extLst>
+      <p:ext uri="{BB962C8B-B14F-4D97-AF65-F5344CB8AC3E}">
+        <p14:creationId xmlns:p14="http://schemas.microsoft.com/office/powerpoint/2010/main" val="259024211"/>
+      </p:ext>
+    </p:extLst>
+  </p:cSld>
+  <p:clrMapOvr>
+    <a:masterClrMapping/>
+  </p:clrMapOvr>
+</p:sld>
+</file>
+
 <file path=ppt/slides/slide2.xml><?xml version="1.0" encoding="utf-8"?>
 <p:sld xmlns:a="http://schemas.openxmlformats.org/drawingml/2006/main" xmlns:r="http://schemas.openxmlformats.org/officeDocument/2006/relationships" xmlns:p="http://schemas.openxmlformats.org/presentationml/2006/main">
   <p:cSld>
@@ -3780,10 +4465,10 @@
       </p:grpSpPr>
       <p:sp>
         <p:nvSpPr>
-          <p:cNvPr id="3" name="Content Placeholder 2">
+          <p:cNvPr id="2" name="Title 1">
             <a:extLst>
               <a:ext uri="{FF2B5EF4-FFF2-40B4-BE49-F238E27FC236}">
-                <a16:creationId xmlns:a16="http://schemas.microsoft.com/office/drawing/2014/main" id="{16597FAC-61E7-9224-198C-90063849B090}"/>
+                <a16:creationId xmlns:a16="http://schemas.microsoft.com/office/drawing/2014/main" id="{E473318A-C2EB-6924-EBAB-5CAA0B00BA54}"/>
               </a:ext>
             </a:extLst>
           </p:cNvPr>
@@ -3791,7 +4476,7 @@
             <a:spLocks noGrp="1"/>
           </p:cNvSpPr>
           <p:nvPr>
-            <p:ph idx="1"/>
+            <p:ph type="title"/>
           </p:nvPr>
         </p:nvSpPr>
         <p:spPr/>
@@ -3799,91 +4484,141 @@
           <a:bodyPr/>
           <a:lstStyle/>
           <a:p>
-            <a:pPr>
+            <a:pPr algn="ctr"/>
+            <a:r>
+              <a:rPr lang="en-US" dirty="0"/>
+              <a:t>Introduction</a:t>
+            </a:r>
+          </a:p>
+        </p:txBody>
+      </p:sp>
+      <p:sp>
+        <p:nvSpPr>
+          <p:cNvPr id="3" name="Content Placeholder 2">
+            <a:extLst>
+              <a:ext uri="{FF2B5EF4-FFF2-40B4-BE49-F238E27FC236}">
+                <a16:creationId xmlns:a16="http://schemas.microsoft.com/office/drawing/2014/main" id="{DC44BD83-DAFC-C621-693D-054F400D7CC9}"/>
+              </a:ext>
+            </a:extLst>
+          </p:cNvPr>
+          <p:cNvSpPr>
+            <a:spLocks noGrp="1"/>
+          </p:cNvSpPr>
+          <p:nvPr>
+            <p:ph idx="1"/>
+          </p:nvPr>
+        </p:nvSpPr>
+        <p:spPr/>
+        <p:txBody>
+          <a:bodyPr/>
+          <a:lstStyle/>
+          <a:p>
+            <a:pPr algn="just">
+              <a:buClr>
+                <a:schemeClr val="tx1"/>
+              </a:buClr>
               <a:buFont typeface="Wingdings" panose="05000000000000000000" pitchFamily="2" charset="2"/>
               <a:buChar char="Ø"/>
             </a:pPr>
             <a:r>
               <a:rPr lang="en-US" dirty="0"/>
-              <a:t> Tool allowing users to perform same function as chart, but in simpler way</a:t>
-            </a:r>
-          </a:p>
-          <a:p>
-            <a:pPr>
+              <a:t> Strategic move where company switches its focus to respond market changes, customer demands, or unforeseen challenges.</a:t>
+            </a:r>
+          </a:p>
+          <a:p>
+            <a:pPr algn="just">
+              <a:buClr>
+                <a:schemeClr val="tx1"/>
+              </a:buClr>
               <a:buFont typeface="Wingdings" panose="05000000000000000000" pitchFamily="2" charset="2"/>
               <a:buChar char="Ø"/>
             </a:pPr>
             <a:r>
               <a:rPr lang="en-US" dirty="0"/>
-              <a:t> Four Main Parts</a:t>
-            </a:r>
-          </a:p>
-          <a:p>
-            <a:pPr lvl="1">
-              <a:buFont typeface="Wingdings" panose="05000000000000000000" pitchFamily="2" charset="2"/>
-              <a:buChar char="ü"/>
-            </a:pPr>
-            <a:r>
-              <a:rPr lang="en-US" dirty="0"/>
-              <a:t> Values</a:t>
-            </a:r>
-          </a:p>
-          <a:p>
-            <a:pPr lvl="1">
-              <a:buFont typeface="Wingdings" panose="05000000000000000000" pitchFamily="2" charset="2"/>
-              <a:buChar char="ü"/>
-            </a:pPr>
-            <a:r>
-              <a:rPr lang="en-US" dirty="0"/>
-              <a:t> Rows</a:t>
-            </a:r>
-          </a:p>
-          <a:p>
-            <a:pPr lvl="1">
-              <a:buFont typeface="Wingdings" panose="05000000000000000000" pitchFamily="2" charset="2"/>
-              <a:buChar char="ü"/>
-            </a:pPr>
-            <a:r>
-              <a:rPr lang="en-US" dirty="0"/>
-              <a:t> Columns</a:t>
-            </a:r>
-          </a:p>
-          <a:p>
-            <a:pPr lvl="1">
-              <a:buFont typeface="Wingdings" panose="05000000000000000000" pitchFamily="2" charset="2"/>
-              <a:buChar char="ü"/>
-            </a:pPr>
-            <a:r>
-              <a:rPr lang="en-US" dirty="0"/>
-              <a:t> Filters</a:t>
-            </a:r>
-          </a:p>
-          <a:p>
-            <a:pPr>
+              <a:t> Main idea:</a:t>
+            </a:r>
+          </a:p>
+          <a:p>
+            <a:pPr lvl="1" algn="just">
+              <a:buClr>
+                <a:schemeClr val="tx1"/>
+              </a:buClr>
               <a:buFont typeface="Wingdings" panose="05000000000000000000" pitchFamily="2" charset="2"/>
               <a:buChar char="Ø"/>
             </a:pPr>
             <a:r>
               <a:rPr lang="en-US" dirty="0"/>
-              <a:t> Main idea to recognize initial business, model, product or strategy</a:t>
-            </a:r>
-          </a:p>
-          <a:p>
-            <a:pPr>
+              <a:t> To recognize the initial business model, product, or strategy might not be yielding desired results</a:t>
+            </a:r>
+          </a:p>
+          <a:p>
+            <a:pPr lvl="1" algn="just">
+              <a:buClr>
+                <a:schemeClr val="tx1"/>
+              </a:buClr>
               <a:buFont typeface="Wingdings" panose="05000000000000000000" pitchFamily="2" charset="2"/>
               <a:buChar char="Ø"/>
             </a:pPr>
             <a:r>
               <a:rPr lang="en-US" dirty="0"/>
-              <a:t> Enables to rearrange columns and rows for viewing data in different perspectives</a:t>
-            </a:r>
+              <a:t> Rather than sticking to original plan, performing successful pivot allows to adjust their course while building on their existing strengths.</a:t>
+            </a:r>
+          </a:p>
+          <a:p>
+            <a:pPr algn="just">
+              <a:buClr>
+                <a:schemeClr val="tx1"/>
+              </a:buClr>
+              <a:buFont typeface="Wingdings" panose="05000000000000000000" pitchFamily="2" charset="2"/>
+              <a:buChar char="Ø"/>
+            </a:pPr>
+            <a:r>
+              <a:rPr lang="en-US" dirty="0"/>
+              <a:t> Encourages flexibility and fosters a culture of innovation, positioning businesses to seize new opportunities and tackle emerging threats proactively.</a:t>
+            </a:r>
+          </a:p>
+          <a:p>
+            <a:pPr marL="0" indent="0" algn="just">
+              <a:buClr>
+                <a:schemeClr val="tx1"/>
+              </a:buClr>
+              <a:buNone/>
+            </a:pPr>
+            <a:endParaRPr lang="en-US" dirty="0"/>
+          </a:p>
+          <a:p>
+            <a:pPr marL="0" indent="0" algn="just">
+              <a:buClr>
+                <a:schemeClr val="tx1"/>
+              </a:buClr>
+              <a:buNone/>
+            </a:pPr>
+            <a:endParaRPr lang="en-US" dirty="0"/>
+          </a:p>
+          <a:p>
+            <a:pPr marL="0" indent="0" algn="just">
+              <a:buClr>
+                <a:schemeClr val="tx1"/>
+              </a:buClr>
+              <a:buNone/>
+            </a:pPr>
+            <a:endParaRPr lang="en-US" dirty="0"/>
+          </a:p>
+          <a:p>
+            <a:pPr marL="0" indent="0" algn="just">
+              <a:buClr>
+                <a:schemeClr val="tx1"/>
+              </a:buClr>
+              <a:buNone/>
+            </a:pPr>
+            <a:endParaRPr lang="en-US" dirty="0"/>
           </a:p>
         </p:txBody>
       </p:sp>
     </p:spTree>
     <p:extLst>
       <p:ext uri="{BB962C8B-B14F-4D97-AF65-F5344CB8AC3E}">
-        <p14:creationId xmlns:p14="http://schemas.microsoft.com/office/powerpoint/2010/main" val="721976267"/>
+        <p14:creationId xmlns:p14="http://schemas.microsoft.com/office/powerpoint/2010/main" val="1047860944"/>
       </p:ext>
     </p:extLst>
   </p:cSld>
@@ -3915,7 +4650,7 @@
           <p:cNvPr id="2" name="Title 1">
             <a:extLst>
               <a:ext uri="{FF2B5EF4-FFF2-40B4-BE49-F238E27FC236}">
-                <a16:creationId xmlns:a16="http://schemas.microsoft.com/office/drawing/2014/main" id="{A625B669-F87E-3F00-A7FE-577DF70FB6C7}"/>
+                <a16:creationId xmlns:a16="http://schemas.microsoft.com/office/drawing/2014/main" id="{E473318A-C2EB-6924-EBAB-5CAA0B00BA54}"/>
               </a:ext>
             </a:extLst>
           </p:cNvPr>
@@ -3931,10 +4666,8 @@
           <a:bodyPr/>
           <a:lstStyle/>
           <a:p>
-            <a:r>
-              <a:rPr lang="en-US" dirty="0"/>
-              <a:t>To sum up</a:t>
-            </a:r>
+            <a:pPr algn="ctr"/>
+            <a:endParaRPr lang="en-US" dirty="0"/>
           </a:p>
         </p:txBody>
       </p:sp>
@@ -3943,7 +4676,7 @@
           <p:cNvPr id="3" name="Content Placeholder 2">
             <a:extLst>
               <a:ext uri="{FF2B5EF4-FFF2-40B4-BE49-F238E27FC236}">
-                <a16:creationId xmlns:a16="http://schemas.microsoft.com/office/drawing/2014/main" id="{7F6E1DB9-80E7-FE65-AABA-7D186C1455C1}"/>
+                <a16:creationId xmlns:a16="http://schemas.microsoft.com/office/drawing/2014/main" id="{DC44BD83-DAFC-C621-693D-054F400D7CC9}"/>
               </a:ext>
             </a:extLst>
           </p:cNvPr>
@@ -3959,69 +4692,102 @@
           <a:bodyPr/>
           <a:lstStyle/>
           <a:p>
-            <a:pPr>
+            <a:pPr algn="just">
+              <a:buClr>
+                <a:schemeClr val="tx1"/>
+              </a:buClr>
               <a:buFont typeface="Wingdings" panose="05000000000000000000" pitchFamily="2" charset="2"/>
               <a:buChar char="Ø"/>
             </a:pPr>
             <a:r>
               <a:rPr lang="en-US" dirty="0"/>
-              <a:t> Data Transformation – Restructuring of data to wide format</a:t>
-            </a:r>
-          </a:p>
-          <a:p>
-            <a:pPr>
+              <a:t> Process to change company’s direction when current strategy is not producing desired results</a:t>
+            </a:r>
+          </a:p>
+          <a:p>
+            <a:pPr algn="just">
+              <a:buClr>
+                <a:schemeClr val="tx1"/>
+              </a:buClr>
               <a:buFont typeface="Wingdings" panose="05000000000000000000" pitchFamily="2" charset="2"/>
               <a:buChar char="Ø"/>
             </a:pPr>
             <a:r>
               <a:rPr lang="en-US" dirty="0"/>
-              <a:t> Changing Perspectives – Changing the way of viewing data</a:t>
-            </a:r>
-          </a:p>
-          <a:p>
-            <a:pPr>
+              <a:t> Involves strategic change of business model, product, or target market</a:t>
+            </a:r>
+          </a:p>
+          <a:p>
+            <a:pPr algn="just">
+              <a:buClr>
+                <a:schemeClr val="tx1"/>
+              </a:buClr>
               <a:buFont typeface="Wingdings" panose="05000000000000000000" pitchFamily="2" charset="2"/>
               <a:buChar char="Ø"/>
             </a:pPr>
             <a:r>
               <a:rPr lang="en-US" dirty="0"/>
-              <a:t> Aggregation – Aggregating data in one or more dimension</a:t>
-            </a:r>
-          </a:p>
-          <a:p>
-            <a:pPr>
+              <a:t> Creates opportunities for overcoming emerging challenges e.g. market changes, customer         demands, unforeseen challenges,</a:t>
+            </a:r>
+          </a:p>
+          <a:p>
+            <a:pPr algn="just">
+              <a:buClr>
+                <a:schemeClr val="tx1"/>
+              </a:buClr>
               <a:buFont typeface="Wingdings" panose="05000000000000000000" pitchFamily="2" charset="2"/>
               <a:buChar char="Ø"/>
             </a:pPr>
             <a:r>
               <a:rPr lang="en-US" dirty="0"/>
-              <a:t> Enhancing Visualization – Allows users to display data in different ways</a:t>
-            </a:r>
-          </a:p>
-          <a:p>
-            <a:pPr>
-              <a:buFont typeface="Wingdings" panose="05000000000000000000" pitchFamily="2" charset="2"/>
-              <a:buChar char="Ø"/>
+              <a:t> Might be challenging and risky process but also rewarding and necessary </a:t>
+            </a:r>
+          </a:p>
+          <a:p>
+            <a:pPr marL="0" indent="0" algn="just">
+              <a:buClr>
+                <a:schemeClr val="tx1"/>
+              </a:buClr>
+              <a:buNone/>
             </a:pPr>
             <a:r>
               <a:rPr lang="en-US" dirty="0"/>
-              <a:t> Facilitating Analysis – Quickly explore different dimension and identify trends, patterns an 			           outliers</a:t>
-            </a:r>
-          </a:p>
-          <a:p>
-            <a:pPr>
-              <a:buFont typeface="Wingdings" panose="05000000000000000000" pitchFamily="2" charset="2"/>
-              <a:buChar char="Ø"/>
-            </a:pPr>
-            <a:r>
-              <a:rPr lang="en-US" dirty="0"/>
-              <a:t> Dynamic Reporting – Allows interactive exploration of data</a:t>
-            </a:r>
-          </a:p>
-          <a:p>
-            <a:pPr>
-              <a:buFont typeface="Wingdings" panose="05000000000000000000" pitchFamily="2" charset="2"/>
-              <a:buChar char="Ø"/>
+              <a:t>e.g. adapting product, market, or strategy to changing customer need, competitive pressures, new opportunities </a:t>
+            </a:r>
+          </a:p>
+          <a:p>
+            <a:pPr marL="0" indent="0" algn="just">
+              <a:buClr>
+                <a:schemeClr val="tx1"/>
+              </a:buClr>
+              <a:buNone/>
+            </a:pPr>
+            <a:endParaRPr lang="en-US" dirty="0"/>
+          </a:p>
+          <a:p>
+            <a:pPr marL="0" indent="0" algn="just">
+              <a:buClr>
+                <a:schemeClr val="tx1"/>
+              </a:buClr>
+              <a:buNone/>
+            </a:pPr>
+            <a:endParaRPr lang="en-US" dirty="0"/>
+          </a:p>
+          <a:p>
+            <a:pPr marL="0" indent="0" algn="just">
+              <a:buClr>
+                <a:schemeClr val="tx1"/>
+              </a:buClr>
+              <a:buNone/>
+            </a:pPr>
+            <a:endParaRPr lang="en-US" dirty="0"/>
+          </a:p>
+          <a:p>
+            <a:pPr marL="0" indent="0" algn="just">
+              <a:buClr>
+                <a:schemeClr val="tx1"/>
+              </a:buClr>
+              <a:buNone/>
             </a:pPr>
             <a:endParaRPr lang="en-US" dirty="0"/>
           </a:p>
@@ -4030,7 +4796,7 @@
     </p:spTree>
     <p:extLst>
       <p:ext uri="{BB962C8B-B14F-4D97-AF65-F5344CB8AC3E}">
-        <p14:creationId xmlns:p14="http://schemas.microsoft.com/office/powerpoint/2010/main" val="918537908"/>
+        <p14:creationId xmlns:p14="http://schemas.microsoft.com/office/powerpoint/2010/main" val="3226001751"/>
       </p:ext>
     </p:extLst>
   </p:cSld>
@@ -4059,38 +4825,10 @@
       </p:grpSpPr>
       <p:sp>
         <p:nvSpPr>
-          <p:cNvPr id="2" name="Title 1">
+          <p:cNvPr id="3" name="Content Placeholder 2">
             <a:extLst>
               <a:ext uri="{FF2B5EF4-FFF2-40B4-BE49-F238E27FC236}">
-                <a16:creationId xmlns:a16="http://schemas.microsoft.com/office/drawing/2014/main" id="{A625B669-F87E-3F00-A7FE-577DF70FB6C7}"/>
-              </a:ext>
-            </a:extLst>
-          </p:cNvPr>
-          <p:cNvSpPr>
-            <a:spLocks noGrp="1"/>
-          </p:cNvSpPr>
-          <p:nvPr>
-            <p:ph type="title"/>
-          </p:nvPr>
-        </p:nvSpPr>
-        <p:spPr/>
-        <p:txBody>
-          <a:bodyPr/>
-          <a:lstStyle/>
-          <a:p>
-            <a:r>
-              <a:rPr lang="en-US" dirty="0"/>
-              <a:t>Examples</a:t>
-            </a:r>
-          </a:p>
-        </p:txBody>
-      </p:sp>
-      <p:sp>
-        <p:nvSpPr>
-          <p:cNvPr id="3" name="Content Placeholder 2">
-            <a:extLst>
-              <a:ext uri="{FF2B5EF4-FFF2-40B4-BE49-F238E27FC236}">
-                <a16:creationId xmlns:a16="http://schemas.microsoft.com/office/drawing/2014/main" id="{7F6E1DB9-80E7-FE65-AABA-7D186C1455C1}"/>
+                <a16:creationId xmlns:a16="http://schemas.microsoft.com/office/drawing/2014/main" id="{16597FAC-61E7-9224-198C-90063849B090}"/>
               </a:ext>
             </a:extLst>
           </p:cNvPr>
@@ -4112,7 +4850,7 @@
             </a:pPr>
             <a:r>
               <a:rPr lang="en-US" dirty="0"/>
-              <a:t> Sales Analysis</a:t>
+              <a:t> Tool allowing users to perform same function as chart, but in simpler way</a:t>
             </a:r>
           </a:p>
           <a:p>
@@ -4122,7 +4860,47 @@
             </a:pPr>
             <a:r>
               <a:rPr lang="en-US" dirty="0"/>
-              <a:t> Financial Reporting</a:t>
+              <a:t> Four Main Parts</a:t>
+            </a:r>
+          </a:p>
+          <a:p>
+            <a:pPr lvl="1">
+              <a:buFont typeface="Wingdings" panose="05000000000000000000" pitchFamily="2" charset="2"/>
+              <a:buChar char="ü"/>
+            </a:pPr>
+            <a:r>
+              <a:rPr lang="en-US" dirty="0"/>
+              <a:t> Values</a:t>
+            </a:r>
+          </a:p>
+          <a:p>
+            <a:pPr lvl="1">
+              <a:buFont typeface="Wingdings" panose="05000000000000000000" pitchFamily="2" charset="2"/>
+              <a:buChar char="ü"/>
+            </a:pPr>
+            <a:r>
+              <a:rPr lang="en-US" dirty="0"/>
+              <a:t> Rows</a:t>
+            </a:r>
+          </a:p>
+          <a:p>
+            <a:pPr lvl="1">
+              <a:buFont typeface="Wingdings" panose="05000000000000000000" pitchFamily="2" charset="2"/>
+              <a:buChar char="ü"/>
+            </a:pPr>
+            <a:r>
+              <a:rPr lang="en-US" dirty="0"/>
+              <a:t> Columns</a:t>
+            </a:r>
+          </a:p>
+          <a:p>
+            <a:pPr lvl="1">
+              <a:buFont typeface="Wingdings" panose="05000000000000000000" pitchFamily="2" charset="2"/>
+              <a:buChar char="ü"/>
+            </a:pPr>
+            <a:r>
+              <a:rPr lang="en-US" dirty="0"/>
+              <a:t> Filters</a:t>
             </a:r>
           </a:p>
           <a:p>
@@ -4132,7 +4910,7 @@
             </a:pPr>
             <a:r>
               <a:rPr lang="en-US" dirty="0"/>
-              <a:t> Inventory Management</a:t>
+              <a:t> Main idea to recognize initial business, model, product or strategy</a:t>
             </a:r>
           </a:p>
           <a:p>
@@ -4142,9 +4920,788 @@
             </a:pPr>
             <a:r>
               <a:rPr lang="en-US" dirty="0"/>
-              <a:t> Social Media Analysis</a:t>
-            </a:r>
-          </a:p>
+              <a:t> Enables to rearrange columns and rows for viewing data in different perspectives</a:t>
+            </a:r>
+          </a:p>
+        </p:txBody>
+      </p:sp>
+    </p:spTree>
+    <p:extLst>
+      <p:ext uri="{BB962C8B-B14F-4D97-AF65-F5344CB8AC3E}">
+        <p14:creationId xmlns:p14="http://schemas.microsoft.com/office/powerpoint/2010/main" val="721976267"/>
+      </p:ext>
+    </p:extLst>
+  </p:cSld>
+  <p:clrMapOvr>
+    <a:masterClrMapping/>
+  </p:clrMapOvr>
+</p:sld>
+</file>
+
+<file path=ppt/slides/slide5.xml><?xml version="1.0" encoding="utf-8"?>
+<p:sld xmlns:a="http://schemas.openxmlformats.org/drawingml/2006/main" xmlns:r="http://schemas.openxmlformats.org/officeDocument/2006/relationships" xmlns:p="http://schemas.openxmlformats.org/presentationml/2006/main">
+  <p:cSld>
+    <p:spTree>
+      <p:nvGrpSpPr>
+        <p:cNvPr id="1" name=""/>
+        <p:cNvGrpSpPr/>
+        <p:nvPr/>
+      </p:nvGrpSpPr>
+      <p:grpSpPr>
+        <a:xfrm>
+          <a:off x="0" y="0"/>
+          <a:ext cx="0" cy="0"/>
+          <a:chOff x="0" y="0"/>
+          <a:chExt cx="0" cy="0"/>
+        </a:xfrm>
+      </p:grpSpPr>
+      <p:sp>
+        <p:nvSpPr>
+          <p:cNvPr id="2" name="Title 1">
+            <a:extLst>
+              <a:ext uri="{FF2B5EF4-FFF2-40B4-BE49-F238E27FC236}">
+                <a16:creationId xmlns:a16="http://schemas.microsoft.com/office/drawing/2014/main" id="{E473318A-C2EB-6924-EBAB-5CAA0B00BA54}"/>
+              </a:ext>
+            </a:extLst>
+          </p:cNvPr>
+          <p:cNvSpPr>
+            <a:spLocks noGrp="1"/>
+          </p:cNvSpPr>
+          <p:nvPr>
+            <p:ph type="title"/>
+          </p:nvPr>
+        </p:nvSpPr>
+        <p:spPr/>
+        <p:txBody>
+          <a:bodyPr/>
+          <a:lstStyle/>
+          <a:p>
+            <a:pPr algn="ctr"/>
+            <a:r>
+              <a:rPr lang="en-US" dirty="0"/>
+              <a:t>Types</a:t>
+            </a:r>
+          </a:p>
+        </p:txBody>
+      </p:sp>
+      <p:sp>
+        <p:nvSpPr>
+          <p:cNvPr id="3" name="Content Placeholder 2">
+            <a:extLst>
+              <a:ext uri="{FF2B5EF4-FFF2-40B4-BE49-F238E27FC236}">
+                <a16:creationId xmlns:a16="http://schemas.microsoft.com/office/drawing/2014/main" id="{DC44BD83-DAFC-C621-693D-054F400D7CC9}"/>
+              </a:ext>
+            </a:extLst>
+          </p:cNvPr>
+          <p:cNvSpPr>
+            <a:spLocks noGrp="1"/>
+          </p:cNvSpPr>
+          <p:nvPr>
+            <p:ph idx="1"/>
+          </p:nvPr>
+        </p:nvSpPr>
+        <p:spPr/>
+        <p:txBody>
+          <a:bodyPr/>
+          <a:lstStyle/>
+          <a:p>
+            <a:pPr algn="just">
+              <a:buClr>
+                <a:schemeClr val="tx1"/>
+              </a:buClr>
+              <a:buFont typeface="Wingdings" panose="05000000000000000000" pitchFamily="2" charset="2"/>
+              <a:buChar char="Ø"/>
+            </a:pPr>
+            <a:r>
+              <a:rPr lang="en-US" dirty="0"/>
+              <a:t> Product Pivot: </a:t>
+            </a:r>
+            <a:r>
+              <a:rPr lang="en-US" dirty="0">
+                <a:sym typeface="Wingdings" panose="05000000000000000000" pitchFamily="2" charset="2"/>
+              </a:rPr>
+              <a:t> Changing features, functionality, target audience of an existing product to better meet market demands</a:t>
+            </a:r>
+            <a:endParaRPr lang="en-US" dirty="0"/>
+          </a:p>
+          <a:p>
+            <a:pPr algn="just">
+              <a:buClr>
+                <a:schemeClr val="tx1"/>
+              </a:buClr>
+              <a:buFont typeface="Wingdings" panose="05000000000000000000" pitchFamily="2" charset="2"/>
+              <a:buChar char="Ø"/>
+            </a:pPr>
+            <a:r>
+              <a:rPr lang="en-US" dirty="0"/>
+              <a:t> Market Pivot </a:t>
+            </a:r>
+            <a:r>
+              <a:rPr lang="en-US" dirty="0">
+                <a:sym typeface="Wingdings" panose="05000000000000000000" pitchFamily="2" charset="2"/>
+              </a:rPr>
+              <a:t> Takes existing product and starts targeting new customer segment or industry</a:t>
+            </a:r>
+          </a:p>
+          <a:p>
+            <a:pPr algn="just">
+              <a:buClr>
+                <a:schemeClr val="tx1"/>
+              </a:buClr>
+              <a:buFont typeface="Wingdings" panose="05000000000000000000" pitchFamily="2" charset="2"/>
+              <a:buChar char="Ø"/>
+            </a:pPr>
+            <a:r>
+              <a:rPr lang="en-US" dirty="0">
+                <a:sym typeface="Wingdings" panose="05000000000000000000" pitchFamily="2" charset="2"/>
+              </a:rPr>
+              <a:t> Technology Pivot  Adapting core technology or expertise to address a different problem or industry</a:t>
+            </a:r>
+          </a:p>
+          <a:p>
+            <a:pPr algn="just">
+              <a:buClr>
+                <a:schemeClr val="tx1"/>
+              </a:buClr>
+              <a:buFont typeface="Wingdings" panose="05000000000000000000" pitchFamily="2" charset="2"/>
+              <a:buChar char="Ø"/>
+            </a:pPr>
+            <a:r>
+              <a:rPr lang="en-US" dirty="0">
+                <a:sym typeface="Wingdings" panose="05000000000000000000" pitchFamily="2" charset="2"/>
+              </a:rPr>
+              <a:t> Business Model Pivot  Fundamental change in generating revenue</a:t>
+            </a:r>
+          </a:p>
+          <a:p>
+            <a:pPr algn="just">
+              <a:buClr>
+                <a:schemeClr val="tx1"/>
+              </a:buClr>
+              <a:buFont typeface="Wingdings" panose="05000000000000000000" pitchFamily="2" charset="2"/>
+              <a:buChar char="Ø"/>
+            </a:pPr>
+            <a:r>
+              <a:rPr lang="en-US" dirty="0">
+                <a:sym typeface="Wingdings" panose="05000000000000000000" pitchFamily="2" charset="2"/>
+              </a:rPr>
+              <a:t> Geographic Pivot  Expanding or contracting its geographic scope of operations to explore new markets or consolidate existing ones.</a:t>
+            </a:r>
+            <a:endParaRPr lang="en-US" dirty="0"/>
+          </a:p>
+          <a:p>
+            <a:pPr marL="0" indent="0" algn="just">
+              <a:buClr>
+                <a:schemeClr val="tx1"/>
+              </a:buClr>
+              <a:buNone/>
+            </a:pPr>
+            <a:endParaRPr lang="en-US" dirty="0"/>
+          </a:p>
+          <a:p>
+            <a:pPr marL="0" indent="0" algn="just">
+              <a:buClr>
+                <a:schemeClr val="tx1"/>
+              </a:buClr>
+              <a:buNone/>
+            </a:pPr>
+            <a:endParaRPr lang="en-US" dirty="0"/>
+          </a:p>
+          <a:p>
+            <a:pPr marL="0" indent="0" algn="just">
+              <a:buClr>
+                <a:schemeClr val="tx1"/>
+              </a:buClr>
+              <a:buNone/>
+            </a:pPr>
+            <a:endParaRPr lang="en-US" dirty="0"/>
+          </a:p>
+        </p:txBody>
+      </p:sp>
+    </p:spTree>
+    <p:extLst>
+      <p:ext uri="{BB962C8B-B14F-4D97-AF65-F5344CB8AC3E}">
+        <p14:creationId xmlns:p14="http://schemas.microsoft.com/office/powerpoint/2010/main" val="1722714348"/>
+      </p:ext>
+    </p:extLst>
+  </p:cSld>
+  <p:clrMapOvr>
+    <a:masterClrMapping/>
+  </p:clrMapOvr>
+</p:sld>
+</file>
+
+<file path=ppt/slides/slide6.xml><?xml version="1.0" encoding="utf-8"?>
+<p:sld xmlns:a="http://schemas.openxmlformats.org/drawingml/2006/main" xmlns:r="http://schemas.openxmlformats.org/officeDocument/2006/relationships" xmlns:p="http://schemas.openxmlformats.org/presentationml/2006/main">
+  <p:cSld>
+    <p:spTree>
+      <p:nvGrpSpPr>
+        <p:cNvPr id="1" name=""/>
+        <p:cNvGrpSpPr/>
+        <p:nvPr/>
+      </p:nvGrpSpPr>
+      <p:grpSpPr>
+        <a:xfrm>
+          <a:off x="0" y="0"/>
+          <a:ext cx="0" cy="0"/>
+          <a:chOff x="0" y="0"/>
+          <a:chExt cx="0" cy="0"/>
+        </a:xfrm>
+      </p:grpSpPr>
+      <p:sp>
+        <p:nvSpPr>
+          <p:cNvPr id="2" name="Title 1">
+            <a:extLst>
+              <a:ext uri="{FF2B5EF4-FFF2-40B4-BE49-F238E27FC236}">
+                <a16:creationId xmlns:a16="http://schemas.microsoft.com/office/drawing/2014/main" id="{3350CF33-52A6-3322-7E8E-EEEF41525D49}"/>
+              </a:ext>
+            </a:extLst>
+          </p:cNvPr>
+          <p:cNvSpPr>
+            <a:spLocks noGrp="1"/>
+          </p:cNvSpPr>
+          <p:nvPr>
+            <p:ph type="title"/>
+          </p:nvPr>
+        </p:nvSpPr>
+        <p:spPr/>
+        <p:txBody>
+          <a:bodyPr/>
+          <a:lstStyle/>
+          <a:p>
+            <a:pPr algn="ctr"/>
+            <a:r>
+              <a:rPr lang="en-US" dirty="0"/>
+              <a:t>How to know if pivoting is needed?</a:t>
+            </a:r>
+          </a:p>
+        </p:txBody>
+      </p:sp>
+      <p:sp>
+        <p:nvSpPr>
+          <p:cNvPr id="3" name="Content Placeholder 2">
+            <a:extLst>
+              <a:ext uri="{FF2B5EF4-FFF2-40B4-BE49-F238E27FC236}">
+                <a16:creationId xmlns:a16="http://schemas.microsoft.com/office/drawing/2014/main" id="{736CEA74-9D47-116B-EE10-A36D54339888}"/>
+              </a:ext>
+            </a:extLst>
+          </p:cNvPr>
+          <p:cNvSpPr>
+            <a:spLocks noGrp="1"/>
+          </p:cNvSpPr>
+          <p:nvPr>
+            <p:ph idx="1"/>
+          </p:nvPr>
+        </p:nvSpPr>
+        <p:spPr/>
+        <p:txBody>
+          <a:bodyPr/>
+          <a:lstStyle/>
+          <a:p>
+            <a:pPr algn="just">
+              <a:buClr>
+                <a:schemeClr val="tx1"/>
+              </a:buClr>
+              <a:buFont typeface="Wingdings" panose="05000000000000000000" pitchFamily="2" charset="2"/>
+              <a:buChar char="Ø"/>
+            </a:pPr>
+            <a:r>
+              <a:rPr lang="en-US" dirty="0"/>
+              <a:t> Recognize the signs</a:t>
+            </a:r>
+            <a:r>
+              <a:rPr lang="en-US" dirty="0">
+                <a:sym typeface="Wingdings" panose="05000000000000000000" pitchFamily="2" charset="2"/>
+              </a:rPr>
+              <a:t> Current idea not getting momentum</a:t>
+            </a:r>
+          </a:p>
+          <a:p>
+            <a:pPr algn="just">
+              <a:buClr>
+                <a:schemeClr val="tx1"/>
+              </a:buClr>
+              <a:buFont typeface="Wingdings" panose="05000000000000000000" pitchFamily="2" charset="2"/>
+              <a:buChar char="Ø"/>
+            </a:pPr>
+            <a:r>
+              <a:rPr lang="en-US" dirty="0">
+                <a:sym typeface="Wingdings" panose="05000000000000000000" pitchFamily="2" charset="2"/>
+              </a:rPr>
+              <a:t> Conduct candid evaluation  Make sure team’s skill and interests match new direction</a:t>
+            </a:r>
+          </a:p>
+          <a:p>
+            <a:pPr algn="just">
+              <a:buClr>
+                <a:schemeClr val="tx1"/>
+              </a:buClr>
+              <a:buFont typeface="Wingdings" panose="05000000000000000000" pitchFamily="2" charset="2"/>
+              <a:buChar char="Ø"/>
+            </a:pPr>
+            <a:r>
+              <a:rPr lang="en-US" dirty="0">
+                <a:sym typeface="Wingdings" panose="05000000000000000000" pitchFamily="2" charset="2"/>
+              </a:rPr>
+              <a:t> Fear not pivoting  Avoid being attached to a failing idea and be willing to iterate and experiment</a:t>
+            </a:r>
+          </a:p>
+          <a:p>
+            <a:pPr algn="just">
+              <a:buClr>
+                <a:schemeClr val="tx1"/>
+              </a:buClr>
+              <a:buFont typeface="Wingdings" panose="05000000000000000000" pitchFamily="2" charset="2"/>
+              <a:buChar char="Ø"/>
+            </a:pPr>
+            <a:r>
+              <a:rPr lang="en-US" dirty="0">
+                <a:sym typeface="Wingdings" panose="05000000000000000000" pitchFamily="2" charset="2"/>
+              </a:rPr>
+              <a:t> Iterate carefully  Avoid hasty decisions based on momentary setbacks</a:t>
+            </a:r>
+          </a:p>
+          <a:p>
+            <a:pPr algn="just">
+              <a:buClr>
+                <a:schemeClr val="tx1"/>
+              </a:buClr>
+              <a:buFont typeface="Wingdings" panose="05000000000000000000" pitchFamily="2" charset="2"/>
+              <a:buChar char="Ø"/>
+            </a:pPr>
+            <a:r>
+              <a:rPr lang="en-US" dirty="0">
+                <a:sym typeface="Wingdings" panose="05000000000000000000" pitchFamily="2" charset="2"/>
+              </a:rPr>
+              <a:t> Leverage your teams expertise  Pivoting needs cohesive and agile team. Prioritize communication and collaboration on group</a:t>
+            </a:r>
+            <a:endParaRPr lang="en-US" dirty="0"/>
+          </a:p>
+          <a:p>
+            <a:pPr marL="0" indent="0" algn="just">
+              <a:buClr>
+                <a:schemeClr val="tx1"/>
+              </a:buClr>
+              <a:buNone/>
+            </a:pPr>
+            <a:endParaRPr lang="en-US" dirty="0"/>
+          </a:p>
+          <a:p>
+            <a:pPr marL="0" indent="0" algn="just">
+              <a:buClr>
+                <a:schemeClr val="tx1"/>
+              </a:buClr>
+              <a:buNone/>
+            </a:pPr>
+            <a:endParaRPr lang="en-US" dirty="0"/>
+          </a:p>
+        </p:txBody>
+      </p:sp>
+    </p:spTree>
+    <p:extLst>
+      <p:ext uri="{BB962C8B-B14F-4D97-AF65-F5344CB8AC3E}">
+        <p14:creationId xmlns:p14="http://schemas.microsoft.com/office/powerpoint/2010/main" val="851748143"/>
+      </p:ext>
+    </p:extLst>
+  </p:cSld>
+  <p:clrMapOvr>
+    <a:masterClrMapping/>
+  </p:clrMapOvr>
+</p:sld>
+</file>
+
+<file path=ppt/slides/slide7.xml><?xml version="1.0" encoding="utf-8"?>
+<p:sld xmlns:a="http://schemas.openxmlformats.org/drawingml/2006/main" xmlns:r="http://schemas.openxmlformats.org/officeDocument/2006/relationships" xmlns:p="http://schemas.openxmlformats.org/presentationml/2006/main">
+  <p:cSld>
+    <p:spTree>
+      <p:nvGrpSpPr>
+        <p:cNvPr id="1" name=""/>
+        <p:cNvGrpSpPr/>
+        <p:nvPr/>
+      </p:nvGrpSpPr>
+      <p:grpSpPr>
+        <a:xfrm>
+          <a:off x="0" y="0"/>
+          <a:ext cx="0" cy="0"/>
+          <a:chOff x="0" y="0"/>
+          <a:chExt cx="0" cy="0"/>
+        </a:xfrm>
+      </p:grpSpPr>
+      <p:sp>
+        <p:nvSpPr>
+          <p:cNvPr id="2" name="Title 1">
+            <a:extLst>
+              <a:ext uri="{FF2B5EF4-FFF2-40B4-BE49-F238E27FC236}">
+                <a16:creationId xmlns:a16="http://schemas.microsoft.com/office/drawing/2014/main" id="{3350CF33-52A6-3322-7E8E-EEEF41525D49}"/>
+              </a:ext>
+            </a:extLst>
+          </p:cNvPr>
+          <p:cNvSpPr>
+            <a:spLocks noGrp="1"/>
+          </p:cNvSpPr>
+          <p:nvPr>
+            <p:ph type="title"/>
+          </p:nvPr>
+        </p:nvSpPr>
+        <p:spPr/>
+        <p:txBody>
+          <a:bodyPr/>
+          <a:lstStyle/>
+          <a:p>
+            <a:pPr algn="ctr"/>
+            <a:r>
+              <a:rPr lang="en-US" dirty="0"/>
+              <a:t>How to Pivot Effectively?</a:t>
+            </a:r>
+          </a:p>
+        </p:txBody>
+      </p:sp>
+      <p:sp>
+        <p:nvSpPr>
+          <p:cNvPr id="3" name="Content Placeholder 2">
+            <a:extLst>
+              <a:ext uri="{FF2B5EF4-FFF2-40B4-BE49-F238E27FC236}">
+                <a16:creationId xmlns:a16="http://schemas.microsoft.com/office/drawing/2014/main" id="{736CEA74-9D47-116B-EE10-A36D54339888}"/>
+              </a:ext>
+            </a:extLst>
+          </p:cNvPr>
+          <p:cNvSpPr>
+            <a:spLocks noGrp="1"/>
+          </p:cNvSpPr>
+          <p:nvPr>
+            <p:ph idx="1"/>
+          </p:nvPr>
+        </p:nvSpPr>
+        <p:spPr/>
+        <p:txBody>
+          <a:bodyPr>
+            <a:normAutofit lnSpcReduction="10000"/>
+          </a:bodyPr>
+          <a:lstStyle/>
+          <a:p>
+            <a:pPr algn="just">
+              <a:buClr>
+                <a:schemeClr val="tx1"/>
+              </a:buClr>
+              <a:buFont typeface="Wingdings" panose="05000000000000000000" pitchFamily="2" charset="2"/>
+              <a:buChar char="Ø"/>
+            </a:pPr>
+            <a:r>
+              <a:rPr lang="en-US" dirty="0"/>
+              <a:t> Do as soon as you can</a:t>
+            </a:r>
+          </a:p>
+          <a:p>
+            <a:pPr algn="just">
+              <a:buClr>
+                <a:schemeClr val="tx1"/>
+              </a:buClr>
+              <a:buFont typeface="Wingdings" panose="05000000000000000000" pitchFamily="2" charset="2"/>
+              <a:buChar char="Ø"/>
+            </a:pPr>
+            <a:r>
+              <a:rPr lang="en-US" dirty="0"/>
+              <a:t> Pick new goals to align with your vision</a:t>
+            </a:r>
+          </a:p>
+          <a:p>
+            <a:pPr algn="just">
+              <a:buClr>
+                <a:schemeClr val="tx1"/>
+              </a:buClr>
+              <a:buFont typeface="Wingdings" panose="05000000000000000000" pitchFamily="2" charset="2"/>
+              <a:buChar char="Ø"/>
+            </a:pPr>
+            <a:r>
+              <a:rPr lang="en-US" dirty="0"/>
+              <a:t> Don’t scrap that work you’ve already done</a:t>
+            </a:r>
+          </a:p>
+          <a:p>
+            <a:pPr algn="just">
+              <a:buClr>
+                <a:schemeClr val="tx1"/>
+              </a:buClr>
+              <a:buFont typeface="Wingdings" panose="05000000000000000000" pitchFamily="2" charset="2"/>
+              <a:buChar char="Ø"/>
+            </a:pPr>
+            <a:r>
+              <a:rPr lang="en-US" dirty="0"/>
+              <a:t> Listen to your customers</a:t>
+            </a:r>
+          </a:p>
+          <a:p>
+            <a:pPr algn="just">
+              <a:buClr>
+                <a:schemeClr val="tx1"/>
+              </a:buClr>
+              <a:buFont typeface="Wingdings" panose="05000000000000000000" pitchFamily="2" charset="2"/>
+              <a:buChar char="Ø"/>
+            </a:pPr>
+            <a:r>
+              <a:rPr lang="en-US" dirty="0"/>
+              <a:t> Develop a pivot plan</a:t>
+            </a:r>
+          </a:p>
+          <a:p>
+            <a:pPr algn="just">
+              <a:buClr>
+                <a:schemeClr val="tx1"/>
+              </a:buClr>
+              <a:buFont typeface="Wingdings" panose="05000000000000000000" pitchFamily="2" charset="2"/>
+              <a:buChar char="Ø"/>
+            </a:pPr>
+            <a:r>
+              <a:rPr lang="en-US" dirty="0"/>
+              <a:t> Make sure pivot presents opportunities for growth</a:t>
+            </a:r>
+          </a:p>
+          <a:p>
+            <a:pPr algn="just">
+              <a:buClr>
+                <a:schemeClr val="tx1"/>
+              </a:buClr>
+              <a:buFont typeface="Wingdings" panose="05000000000000000000" pitchFamily="2" charset="2"/>
+              <a:buChar char="Ø"/>
+            </a:pPr>
+            <a:r>
+              <a:rPr lang="en-US" dirty="0"/>
+              <a:t> Communicate the pivot</a:t>
+            </a:r>
+          </a:p>
+          <a:p>
+            <a:pPr algn="just">
+              <a:buClr>
+                <a:schemeClr val="tx1"/>
+              </a:buClr>
+              <a:buFont typeface="Wingdings" panose="05000000000000000000" pitchFamily="2" charset="2"/>
+              <a:buChar char="Ø"/>
+            </a:pPr>
+            <a:r>
+              <a:rPr lang="en-US" dirty="0"/>
+              <a:t> Monitor and revise</a:t>
+            </a:r>
+          </a:p>
+          <a:p>
+            <a:pPr marL="0" indent="0" algn="just">
+              <a:buClr>
+                <a:schemeClr val="tx1"/>
+              </a:buClr>
+              <a:buNone/>
+            </a:pPr>
+            <a:endParaRPr lang="en-US" dirty="0"/>
+          </a:p>
+        </p:txBody>
+      </p:sp>
+    </p:spTree>
+    <p:extLst>
+      <p:ext uri="{BB962C8B-B14F-4D97-AF65-F5344CB8AC3E}">
+        <p14:creationId xmlns:p14="http://schemas.microsoft.com/office/powerpoint/2010/main" val="774633026"/>
+      </p:ext>
+    </p:extLst>
+  </p:cSld>
+  <p:clrMapOvr>
+    <a:masterClrMapping/>
+  </p:clrMapOvr>
+</p:sld>
+</file>
+
+<file path=ppt/slides/slide8.xml><?xml version="1.0" encoding="utf-8"?>
+<p:sld xmlns:a="http://schemas.openxmlformats.org/drawingml/2006/main" xmlns:r="http://schemas.openxmlformats.org/officeDocument/2006/relationships" xmlns:p="http://schemas.openxmlformats.org/presentationml/2006/main">
+  <p:cSld>
+    <p:spTree>
+      <p:nvGrpSpPr>
+        <p:cNvPr id="1" name=""/>
+        <p:cNvGrpSpPr/>
+        <p:nvPr/>
+      </p:nvGrpSpPr>
+      <p:grpSpPr>
+        <a:xfrm>
+          <a:off x="0" y="0"/>
+          <a:ext cx="0" cy="0"/>
+          <a:chOff x="0" y="0"/>
+          <a:chExt cx="0" cy="0"/>
+        </a:xfrm>
+      </p:grpSpPr>
+      <p:sp>
+        <p:nvSpPr>
+          <p:cNvPr id="2" name="Title 1">
+            <a:extLst>
+              <a:ext uri="{FF2B5EF4-FFF2-40B4-BE49-F238E27FC236}">
+                <a16:creationId xmlns:a16="http://schemas.microsoft.com/office/drawing/2014/main" id="{3350CF33-52A6-3322-7E8E-EEEF41525D49}"/>
+              </a:ext>
+            </a:extLst>
+          </p:cNvPr>
+          <p:cNvSpPr>
+            <a:spLocks noGrp="1"/>
+          </p:cNvSpPr>
+          <p:nvPr>
+            <p:ph type="title"/>
+          </p:nvPr>
+        </p:nvSpPr>
+        <p:spPr/>
+        <p:txBody>
+          <a:bodyPr/>
+          <a:lstStyle/>
+          <a:p>
+            <a:pPr algn="ctr"/>
+            <a:r>
+              <a:rPr lang="en-US" dirty="0"/>
+              <a:t>Five Main Pivoting Areas</a:t>
+            </a:r>
+          </a:p>
+        </p:txBody>
+      </p:sp>
+      <p:pic>
+        <p:nvPicPr>
+          <p:cNvPr id="5" name="Content Placeholder 4">
+            <a:extLst>
+              <a:ext uri="{FF2B5EF4-FFF2-40B4-BE49-F238E27FC236}">
+                <a16:creationId xmlns:a16="http://schemas.microsoft.com/office/drawing/2014/main" id="{FB774604-89E8-DDA8-948B-2E016DFA6C70}"/>
+              </a:ext>
+            </a:extLst>
+          </p:cNvPr>
+          <p:cNvPicPr>
+            <a:picLocks noGrp="1" noChangeAspect="1"/>
+          </p:cNvPicPr>
+          <p:nvPr>
+            <p:ph idx="1"/>
+          </p:nvPr>
+        </p:nvPicPr>
+        <p:blipFill>
+          <a:blip r:embed="rId2"/>
+          <a:stretch>
+            <a:fillRect/>
+          </a:stretch>
+        </p:blipFill>
+        <p:spPr>
+          <a:xfrm>
+            <a:off x="2744311" y="1951619"/>
+            <a:ext cx="6601777" cy="3760788"/>
+          </a:xfrm>
+        </p:spPr>
+      </p:pic>
+      <p:sp>
+        <p:nvSpPr>
+          <p:cNvPr id="6" name="TextBox 5">
+            <a:extLst>
+              <a:ext uri="{FF2B5EF4-FFF2-40B4-BE49-F238E27FC236}">
+                <a16:creationId xmlns:a16="http://schemas.microsoft.com/office/drawing/2014/main" id="{E3140540-04F3-DB70-67E3-7D8573B39DD9}"/>
+              </a:ext>
+            </a:extLst>
+          </p:cNvPr>
+          <p:cNvSpPr txBox="1"/>
+          <p:nvPr/>
+        </p:nvSpPr>
+        <p:spPr>
+          <a:xfrm>
+            <a:off x="3891280" y="5712407"/>
+            <a:ext cx="4470400" cy="646331"/>
+          </a:xfrm>
+          <a:prstGeom prst="rect">
+            <a:avLst/>
+          </a:prstGeom>
+          <a:noFill/>
+        </p:spPr>
+        <p:txBody>
+          <a:bodyPr wrap="square" rtlCol="0">
+            <a:spAutoFit/>
+          </a:bodyPr>
+          <a:lstStyle/>
+          <a:p>
+            <a:pPr algn="ctr"/>
+            <a:r>
+              <a:rPr lang="en-US" dirty="0"/>
+              <a:t>Source: Selcuk Atli, </a:t>
+            </a:r>
+          </a:p>
+          <a:p>
+            <a:pPr algn="ctr"/>
+            <a:r>
+              <a:rPr lang="en-US" dirty="0"/>
+              <a:t>CEO AND Co-founder, Bunch</a:t>
+            </a:r>
+          </a:p>
+        </p:txBody>
+      </p:sp>
+    </p:spTree>
+    <p:extLst>
+      <p:ext uri="{BB962C8B-B14F-4D97-AF65-F5344CB8AC3E}">
+        <p14:creationId xmlns:p14="http://schemas.microsoft.com/office/powerpoint/2010/main" val="802999369"/>
+      </p:ext>
+    </p:extLst>
+  </p:cSld>
+  <p:clrMapOvr>
+    <a:masterClrMapping/>
+  </p:clrMapOvr>
+</p:sld>
+</file>
+
+<file path=ppt/slides/slide9.xml><?xml version="1.0" encoding="utf-8"?>
+<p:sld xmlns:a="http://schemas.openxmlformats.org/drawingml/2006/main" xmlns:r="http://schemas.openxmlformats.org/officeDocument/2006/relationships" xmlns:p="http://schemas.openxmlformats.org/presentationml/2006/main">
+  <p:cSld>
+    <p:spTree>
+      <p:nvGrpSpPr>
+        <p:cNvPr id="1" name=""/>
+        <p:cNvGrpSpPr/>
+        <p:nvPr/>
+      </p:nvGrpSpPr>
+      <p:grpSpPr>
+        <a:xfrm>
+          <a:off x="0" y="0"/>
+          <a:ext cx="0" cy="0"/>
+          <a:chOff x="0" y="0"/>
+          <a:chExt cx="0" cy="0"/>
+        </a:xfrm>
+      </p:grpSpPr>
+      <p:sp>
+        <p:nvSpPr>
+          <p:cNvPr id="2" name="Title 1">
+            <a:extLst>
+              <a:ext uri="{FF2B5EF4-FFF2-40B4-BE49-F238E27FC236}">
+                <a16:creationId xmlns:a16="http://schemas.microsoft.com/office/drawing/2014/main" id="{A625B669-F87E-3F00-A7FE-577DF70FB6C7}"/>
+              </a:ext>
+            </a:extLst>
+          </p:cNvPr>
+          <p:cNvSpPr>
+            <a:spLocks noGrp="1"/>
+          </p:cNvSpPr>
+          <p:nvPr>
+            <p:ph type="title"/>
+          </p:nvPr>
+        </p:nvSpPr>
+        <p:spPr/>
+        <p:txBody>
+          <a:bodyPr/>
+          <a:lstStyle/>
+          <a:p>
+            <a:r>
+              <a:rPr lang="en-US" dirty="0"/>
+              <a:t>To sum up</a:t>
+            </a:r>
+          </a:p>
+        </p:txBody>
+      </p:sp>
+      <p:sp>
+        <p:nvSpPr>
+          <p:cNvPr id="3" name="Content Placeholder 2">
+            <a:extLst>
+              <a:ext uri="{FF2B5EF4-FFF2-40B4-BE49-F238E27FC236}">
+                <a16:creationId xmlns:a16="http://schemas.microsoft.com/office/drawing/2014/main" id="{7F6E1DB9-80E7-FE65-AABA-7D186C1455C1}"/>
+              </a:ext>
+            </a:extLst>
+          </p:cNvPr>
+          <p:cNvSpPr>
+            <a:spLocks noGrp="1"/>
+          </p:cNvSpPr>
+          <p:nvPr>
+            <p:ph idx="1"/>
+          </p:nvPr>
+        </p:nvSpPr>
+        <p:spPr/>
+        <p:txBody>
+          <a:bodyPr/>
+          <a:lstStyle/>
           <a:p>
             <a:pPr>
               <a:buFont typeface="Wingdings" panose="05000000000000000000" pitchFamily="2" charset="2"/>
@@ -4152,7 +5709,7 @@
             </a:pPr>
             <a:r>
               <a:rPr lang="en-US" dirty="0"/>
-              <a:t> Market Analysis</a:t>
+              <a:t> Data Transformation – Restructuring of data to wide format</a:t>
             </a:r>
           </a:p>
           <a:p>
@@ -4162,7 +5719,7 @@
             </a:pPr>
             <a:r>
               <a:rPr lang="en-US" dirty="0"/>
-              <a:t> Employee Performance</a:t>
+              <a:t> Changing Perspectives – Changing the way of viewing data</a:t>
             </a:r>
           </a:p>
           <a:p>
@@ -4170,20 +5727,46 @@
               <a:buFont typeface="Wingdings" panose="05000000000000000000" pitchFamily="2" charset="2"/>
               <a:buChar char="Ø"/>
             </a:pPr>
-            <a:endParaRPr lang="en-US" dirty="0"/>
+            <a:r>
+              <a:rPr lang="en-US" dirty="0"/>
+              <a:t> Aggregation – Aggregating data in one or more dimension</a:t>
+            </a:r>
           </a:p>
           <a:p>
             <a:pPr>
               <a:buFont typeface="Wingdings" panose="05000000000000000000" pitchFamily="2" charset="2"/>
               <a:buChar char="Ø"/>
             </a:pPr>
-            <a:endParaRPr lang="en-US" dirty="0"/>
+            <a:r>
+              <a:rPr lang="en-US" dirty="0"/>
+              <a:t> Enhancing Visualization – Allows users to display data in different ways</a:t>
+            </a:r>
           </a:p>
           <a:p>
             <a:pPr>
               <a:buFont typeface="Wingdings" panose="05000000000000000000" pitchFamily="2" charset="2"/>
               <a:buChar char="Ø"/>
             </a:pPr>
+            <a:r>
+              <a:rPr lang="en-US" dirty="0"/>
+              <a:t> Facilitating Analysis – Quickly explore different dimension and identify trends, patterns an 			           outliers</a:t>
+            </a:r>
+          </a:p>
+          <a:p>
+            <a:pPr>
+              <a:buFont typeface="Wingdings" panose="05000000000000000000" pitchFamily="2" charset="2"/>
+              <a:buChar char="Ø"/>
+            </a:pPr>
+            <a:r>
+              <a:rPr lang="en-US" dirty="0"/>
+              <a:t> Dynamic Reporting – Allows interactive exploration of data</a:t>
+            </a:r>
+          </a:p>
+          <a:p>
+            <a:pPr>
+              <a:buFont typeface="Wingdings" panose="05000000000000000000" pitchFamily="2" charset="2"/>
+              <a:buChar char="Ø"/>
+            </a:pPr>
             <a:endParaRPr lang="en-US" dirty="0"/>
           </a:p>
         </p:txBody>
@@ -4191,7 +5774,7 @@
     </p:spTree>
     <p:extLst>
       <p:ext uri="{BB962C8B-B14F-4D97-AF65-F5344CB8AC3E}">
-        <p14:creationId xmlns:p14="http://schemas.microsoft.com/office/powerpoint/2010/main" val="4057424904"/>
+        <p14:creationId xmlns:p14="http://schemas.microsoft.com/office/powerpoint/2010/main" val="918537908"/>
       </p:ext>
     </p:extLst>
   </p:cSld>
@@ -4528,35 +6111,6 @@
 </file>
 
 <file path=customXml/item1.xml><?xml version="1.0" encoding="utf-8"?>
-<p:properties xmlns:p="http://schemas.microsoft.com/office/2006/metadata/properties" xmlns:xsi="http://www.w3.org/2001/XMLSchema-instance" xmlns:pc="http://schemas.microsoft.com/office/infopath/2007/PartnerControls">
-  <documentManagement>
-    <Status xmlns="71af3243-3dd4-4a8d-8c0d-dd76da1f02a5">Not started</Status>
-    <MediaServiceKeyPoints xmlns="71af3243-3dd4-4a8d-8c0d-dd76da1f02a5" xsi:nil="true"/>
-    <_ip_UnifiedCompliancePolicyUIAction xmlns="http://schemas.microsoft.com/sharepoint/v3" xsi:nil="true"/>
-    <Image xmlns="71af3243-3dd4-4a8d-8c0d-dd76da1f02a5">
-      <Url xsi:nil="true"/>
-      <Description xsi:nil="true"/>
-    </Image>
-    <Background xmlns="71af3243-3dd4-4a8d-8c0d-dd76da1f02a5">false</Background>
-    <_ip_UnifiedCompliancePolicyProperties xmlns="http://schemas.microsoft.com/sharepoint/v3" xsi:nil="true"/>
-    <ImageTagsTaxHTField xmlns="71af3243-3dd4-4a8d-8c0d-dd76da1f02a5">
-      <Terms xmlns="http://schemas.microsoft.com/office/infopath/2007/PartnerControls"/>
-    </ImageTagsTaxHTField>
-    <TaxCatchAll xmlns="230e9df3-be65-4c73-a93b-d1236ebd677e" xsi:nil="true"/>
-  </documentManagement>
-</p:properties>
-</file>
-
-<file path=customXml/item2.xml><?xml version="1.0" encoding="utf-8"?>
-<?mso-contentType ?>
-<FormTemplates xmlns="http://schemas.microsoft.com/sharepoint/v3/contenttype/forms">
-  <Display>DocumentLibraryForm</Display>
-  <Edit>DocumentLibraryForm</Edit>
-  <New>DocumentLibraryForm</New>
-</FormTemplates>
-</file>
-
-<file path=customXml/item3.xml><?xml version="1.0" encoding="utf-8"?>
 <ct:contentTypeSchema xmlns:ct="http://schemas.microsoft.com/office/2006/metadata/contentType" xmlns:ma="http://schemas.microsoft.com/office/2006/metadata/properties/metaAttributes" ct:_="" ma:_="" ma:contentTypeName="Document" ma:contentTypeID="0x01010079F111ED35F8CC479449609E8A0923A6" ma:contentTypeVersion="27" ma:contentTypeDescription="Create a new document." ma:contentTypeScope="" ma:versionID="c6f9a84f66a9c8b9a21755b9ffafb945">
   <xsd:schema xmlns:xsd="http://www.w3.org/2001/XMLSchema" xmlns:xs="http://www.w3.org/2001/XMLSchema" xmlns:p="http://schemas.microsoft.com/office/2006/metadata/properties" xmlns:ns1="http://schemas.microsoft.com/sharepoint/v3" xmlns:ns2="71af3243-3dd4-4a8d-8c0d-dd76da1f02a5" xmlns:ns3="16c05727-aa75-4e4a-9b5f-8a80a1165891" xmlns:ns4="230e9df3-be65-4c73-a93b-d1236ebd677e" targetNamespace="http://schemas.microsoft.com/office/2006/metadata/properties" ma:root="true" ma:fieldsID="27df39e3e7036dff54f89ddd5805ce72" ns1:_="" ns2:_="" ns3:_="" ns4:_="">
     <xsd:import namespace="http://schemas.microsoft.com/sharepoint/v3"/>
@@ -4862,27 +6416,36 @@
 </ct:contentTypeSchema>
 </file>
 
-<file path=customXml/itemProps1.xml><?xml version="1.0" encoding="utf-8"?>
-<ds:datastoreItem xmlns:ds="http://schemas.openxmlformats.org/officeDocument/2006/customXml" ds:itemID="{A03EEFF0-FB57-4CB4-8BFC-DF397689E2ED}">
-  <ds:schemaRefs>
-    <ds:schemaRef ds:uri="http://schemas.microsoft.com/office/2006/metadata/properties"/>
-    <ds:schemaRef ds:uri="http://schemas.microsoft.com/office/infopath/2007/PartnerControls"/>
-    <ds:schemaRef ds:uri="71af3243-3dd4-4a8d-8c0d-dd76da1f02a5"/>
-    <ds:schemaRef ds:uri="http://schemas.microsoft.com/sharepoint/v3"/>
-    <ds:schemaRef ds:uri="230e9df3-be65-4c73-a93b-d1236ebd677e"/>
-  </ds:schemaRefs>
-</ds:datastoreItem>
+<file path=customXml/item2.xml><?xml version="1.0" encoding="utf-8"?>
+<p:properties xmlns:p="http://schemas.microsoft.com/office/2006/metadata/properties" xmlns:xsi="http://www.w3.org/2001/XMLSchema-instance" xmlns:pc="http://schemas.microsoft.com/office/infopath/2007/PartnerControls">
+  <documentManagement>
+    <Status xmlns="71af3243-3dd4-4a8d-8c0d-dd76da1f02a5">Not started</Status>
+    <MediaServiceKeyPoints xmlns="71af3243-3dd4-4a8d-8c0d-dd76da1f02a5" xsi:nil="true"/>
+    <_ip_UnifiedCompliancePolicyUIAction xmlns="http://schemas.microsoft.com/sharepoint/v3" xsi:nil="true"/>
+    <Image xmlns="71af3243-3dd4-4a8d-8c0d-dd76da1f02a5">
+      <Url xsi:nil="true"/>
+      <Description xsi:nil="true"/>
+    </Image>
+    <Background xmlns="71af3243-3dd4-4a8d-8c0d-dd76da1f02a5">false</Background>
+    <_ip_UnifiedCompliancePolicyProperties xmlns="http://schemas.microsoft.com/sharepoint/v3" xsi:nil="true"/>
+    <ImageTagsTaxHTField xmlns="71af3243-3dd4-4a8d-8c0d-dd76da1f02a5">
+      <Terms xmlns="http://schemas.microsoft.com/office/infopath/2007/PartnerControls"/>
+    </ImageTagsTaxHTField>
+    <TaxCatchAll xmlns="230e9df3-be65-4c73-a93b-d1236ebd677e" xsi:nil="true"/>
+  </documentManagement>
+</p:properties>
 </file>
 
-<file path=customXml/itemProps2.xml><?xml version="1.0" encoding="utf-8"?>
-<ds:datastoreItem xmlns:ds="http://schemas.openxmlformats.org/officeDocument/2006/customXml" ds:itemID="{AA3F7EDC-E5B4-4BBC-9D2A-CBE6D46C37AD}">
-  <ds:schemaRefs>
-    <ds:schemaRef ds:uri="http://schemas.microsoft.com/sharepoint/v3/contenttype/forms"/>
-  </ds:schemaRefs>
-</ds:datastoreItem>
+<file path=customXml/item3.xml><?xml version="1.0" encoding="utf-8"?>
+<?mso-contentType ?>
+<FormTemplates xmlns="http://schemas.microsoft.com/sharepoint/v3/contenttype/forms">
+  <Display>DocumentLibraryForm</Display>
+  <Edit>DocumentLibraryForm</Edit>
+  <New>DocumentLibraryForm</New>
+</FormTemplates>
 </file>
 
-<file path=customXml/itemProps3.xml><?xml version="1.0" encoding="utf-8"?>
+<file path=customXml/itemProps1.xml><?xml version="1.0" encoding="utf-8"?>
 <ds:datastoreItem xmlns:ds="http://schemas.openxmlformats.org/officeDocument/2006/customXml" ds:itemID="{D2957789-34B8-480C-AF9B-3EB54B9E5C96}">
   <ds:schemaRefs>
     <ds:schemaRef ds:uri="http://schemas.microsoft.com/office/2006/metadata/contentType"/>
@@ -4901,4 +6464,24 @@
     <ds:schemaRef ds:uri="http://schemas.microsoft.com/internal/obd"/>
   </ds:schemaRefs>
 </ds:datastoreItem>
+</file>
+
+<file path=customXml/itemProps2.xml><?xml version="1.0" encoding="utf-8"?>
+<ds:datastoreItem xmlns:ds="http://schemas.openxmlformats.org/officeDocument/2006/customXml" ds:itemID="{A03EEFF0-FB57-4CB4-8BFC-DF397689E2ED}">
+  <ds:schemaRefs>
+    <ds:schemaRef ds:uri="http://schemas.microsoft.com/office/2006/metadata/properties"/>
+    <ds:schemaRef ds:uri="http://schemas.microsoft.com/office/infopath/2007/PartnerControls"/>
+    <ds:schemaRef ds:uri="71af3243-3dd4-4a8d-8c0d-dd76da1f02a5"/>
+    <ds:schemaRef ds:uri="http://schemas.microsoft.com/sharepoint/v3"/>
+    <ds:schemaRef ds:uri="230e9df3-be65-4c73-a93b-d1236ebd677e"/>
+  </ds:schemaRefs>
+</ds:datastoreItem>
+</file>
+
+<file path=customXml/itemProps3.xml><?xml version="1.0" encoding="utf-8"?>
+<ds:datastoreItem xmlns:ds="http://schemas.openxmlformats.org/officeDocument/2006/customXml" ds:itemID="{AA3F7EDC-E5B4-4BBC-9D2A-CBE6D46C37AD}">
+  <ds:schemaRefs>
+    <ds:schemaRef ds:uri="http://schemas.microsoft.com/sharepoint/v3/contenttype/forms"/>
+  </ds:schemaRefs>
+</ds:datastoreItem>
 </file>